--- a/Report/FinalPresentation.pptx
+++ b/Report/FinalPresentation.pptx
@@ -15,6 +15,17 @@
     <p:sldId id="263" r:id="rId9"/>
     <p:sldId id="264" r:id="rId10"/>
     <p:sldId id="265" r:id="rId11"/>
+    <p:sldId id="266" r:id="rId12"/>
+    <p:sldId id="267" r:id="rId13"/>
+    <p:sldId id="268" r:id="rId14"/>
+    <p:sldId id="272" r:id="rId15"/>
+    <p:sldId id="269" r:id="rId16"/>
+    <p:sldId id="270" r:id="rId17"/>
+    <p:sldId id="271" r:id="rId18"/>
+    <p:sldId id="273" r:id="rId19"/>
+    <p:sldId id="275" r:id="rId20"/>
+    <p:sldId id="276" r:id="rId21"/>
+    <p:sldId id="274" r:id="rId22"/>
   </p:sldIdLst>
   <p:sldSz cx="9144000" cy="6858000" type="screen4x3"/>
   <p:notesSz cx="6858000" cy="9144000"/>
@@ -4214,6 +4225,13 @@
   <p:clrMapOvr>
     <a:masterClrMapping/>
   </p:clrMapOvr>
+  <p:timing>
+    <p:tnLst>
+      <p:par>
+        <p:cTn xmlns:p14="http://schemas.microsoft.com/office/powerpoint/2010/main" id="1" dur="indefinite" restart="never" nodeType="tmRoot"/>
+      </p:par>
+    </p:tnLst>
+  </p:timing>
 </p:sld>
 </file>
 
@@ -4257,29 +4275,1184 @@
           </a:p>
         </p:txBody>
       </p:sp>
-      <p:sp>
-        <p:nvSpPr>
-          <p:cNvPr id="3" name="Content Placeholder 2"/>
-          <p:cNvSpPr>
-            <a:spLocks noGrp="1"/>
-          </p:cNvSpPr>
+      <p:pic>
+        <p:nvPicPr>
+          <p:cNvPr id="4" name="Content Placeholder 3"/>
+          <p:cNvPicPr>
+            <a:picLocks noGrp="1" noChangeAspect="1"/>
+          </p:cNvPicPr>
           <p:nvPr>
             <p:ph idx="1"/>
           </p:nvPr>
-        </p:nvSpPr>
-        <p:spPr/>
-        <p:txBody>
-          <a:bodyPr/>
-          <a:lstStyle/>
-          <a:p>
-            <a:endParaRPr lang="en-US"/>
-          </a:p>
-        </p:txBody>
-      </p:sp>
+        </p:nvPicPr>
+        <p:blipFill>
+          <a:blip r:embed="rId2"/>
+          <a:srcRect l="1142" r="1142"/>
+          <a:stretch>
+            <a:fillRect/>
+          </a:stretch>
+        </p:blipFill>
+        <p:spPr>
+          <a:xfrm>
+            <a:off x="697657" y="2060028"/>
+            <a:ext cx="8207410" cy="3957144"/>
+          </a:xfrm>
+        </p:spPr>
+      </p:pic>
     </p:spTree>
     <p:extLst>
       <p:ext uri="{BB962C8B-B14F-4D97-AF65-F5344CB8AC3E}">
         <p14:creationId xmlns:p14="http://schemas.microsoft.com/office/powerpoint/2010/main" val="2192426623"/>
+      </p:ext>
+    </p:extLst>
+  </p:cSld>
+  <p:clrMapOvr>
+    <a:masterClrMapping/>
+  </p:clrMapOvr>
+  <p:transition xmlns:p14="http://schemas.microsoft.com/office/powerpoint/2010/main">
+    <p:dissolve/>
+  </p:transition>
+  <p:timing>
+    <p:tnLst>
+      <p:par>
+        <p:cTn xmlns:p14="http://schemas.microsoft.com/office/powerpoint/2010/main" id="1" dur="indefinite" restart="never" nodeType="tmRoot"/>
+      </p:par>
+    </p:tnLst>
+  </p:timing>
+</p:sld>
+</file>
+
+<file path=ppt/slides/slide11.xml><?xml version="1.0" encoding="utf-8"?>
+<p:sld xmlns:a="http://schemas.openxmlformats.org/drawingml/2006/main" xmlns:r="http://schemas.openxmlformats.org/officeDocument/2006/relationships" xmlns:p="http://schemas.openxmlformats.org/presentationml/2006/main">
+  <p:cSld>
+    <p:spTree>
+      <p:nvGrpSpPr>
+        <p:cNvPr id="1" name=""/>
+        <p:cNvGrpSpPr/>
+        <p:nvPr/>
+      </p:nvGrpSpPr>
+      <p:grpSpPr>
+        <a:xfrm>
+          <a:off x="0" y="0"/>
+          <a:ext cx="0" cy="0"/>
+          <a:chOff x="0" y="0"/>
+          <a:chExt cx="0" cy="0"/>
+        </a:xfrm>
+      </p:grpSpPr>
+      <p:sp>
+        <p:nvSpPr>
+          <p:cNvPr id="2" name="Title 1"/>
+          <p:cNvSpPr>
+            <a:spLocks noGrp="1"/>
+          </p:cNvSpPr>
+          <p:nvPr>
+            <p:ph type="title"/>
+          </p:nvPr>
+        </p:nvSpPr>
+        <p:spPr/>
+        <p:txBody>
+          <a:bodyPr/>
+          <a:lstStyle/>
+          <a:p>
+            <a:r>
+              <a:rPr lang="en-US" dirty="0"/>
+              <a:t>Class Imbalance in Data</a:t>
+            </a:r>
+          </a:p>
+        </p:txBody>
+      </p:sp>
+      <p:sp>
+        <p:nvSpPr>
+          <p:cNvPr id="3" name="Content Placeholder 2"/>
+          <p:cNvSpPr>
+            <a:spLocks noGrp="1"/>
+          </p:cNvSpPr>
+          <p:nvPr>
+            <p:ph idx="1"/>
+          </p:nvPr>
+        </p:nvSpPr>
+        <p:spPr/>
+        <p:txBody>
+          <a:bodyPr>
+            <a:normAutofit fontScale="85000" lnSpcReduction="20000"/>
+          </a:bodyPr>
+          <a:lstStyle/>
+          <a:p>
+            <a:r>
+              <a:rPr lang="en-US" dirty="0" smtClean="0"/>
+              <a:t>Too many samples of non-defective modules</a:t>
+            </a:r>
+          </a:p>
+          <a:p>
+            <a:r>
+              <a:rPr lang="en-US" dirty="0" smtClean="0"/>
+              <a:t>Trees constructed by CART and RF would be severely biased</a:t>
+            </a:r>
+          </a:p>
+          <a:p>
+            <a:r>
+              <a:rPr lang="en-US" dirty="0" smtClean="0"/>
+              <a:t>Use SMOTE</a:t>
+            </a:r>
+            <a:r>
+              <a:rPr lang="en-US" baseline="30000" dirty="0" smtClean="0"/>
+              <a:t>[1] </a:t>
+            </a:r>
+            <a:r>
+              <a:rPr lang="en-US" dirty="0" smtClean="0"/>
+              <a:t>to preprocess training data</a:t>
+            </a:r>
+            <a:endParaRPr lang="en-US" baseline="30000" dirty="0" smtClean="0"/>
+          </a:p>
+          <a:p>
+            <a:pPr lvl="1"/>
+            <a:r>
+              <a:rPr lang="en-US" dirty="0" smtClean="0"/>
+              <a:t>Upsample minority class by creating “synthetic” samples</a:t>
+            </a:r>
+          </a:p>
+          <a:p>
+            <a:pPr lvl="1"/>
+            <a:r>
+              <a:rPr lang="en-US" dirty="0" smtClean="0"/>
+              <a:t>Downsample majority class by randomly discarding samples</a:t>
+            </a:r>
+          </a:p>
+          <a:p>
+            <a:r>
+              <a:rPr lang="en-US" dirty="0" smtClean="0"/>
+              <a:t>My criterion </a:t>
+            </a:r>
+            <a:r>
+              <a:rPr lang="en-US" i="1" dirty="0" smtClean="0">
+                <a:solidFill>
+                  <a:srgbClr val="606060"/>
+                </a:solidFill>
+              </a:rPr>
+              <a:t>(My infallible Engineering judgment)</a:t>
+            </a:r>
+          </a:p>
+          <a:p>
+            <a:pPr lvl="1"/>
+            <a:r>
+              <a:rPr lang="en-US" dirty="0" smtClean="0"/>
+              <a:t>At least 50 samples from minority class</a:t>
+            </a:r>
+          </a:p>
+          <a:p>
+            <a:pPr lvl="1"/>
+            <a:r>
+              <a:rPr lang="en-US" dirty="0" smtClean="0"/>
+              <a:t>At most 100 samples from majority class </a:t>
+            </a:r>
+            <a:endParaRPr lang="en-US" dirty="0"/>
+          </a:p>
+        </p:txBody>
+      </p:sp>
+    </p:spTree>
+    <p:extLst>
+      <p:ext uri="{BB962C8B-B14F-4D97-AF65-F5344CB8AC3E}">
+        <p14:creationId xmlns:p14="http://schemas.microsoft.com/office/powerpoint/2010/main" val="1722637991"/>
+      </p:ext>
+    </p:extLst>
+  </p:cSld>
+  <p:clrMapOvr>
+    <a:masterClrMapping/>
+  </p:clrMapOvr>
+  <p:transition xmlns:p14="http://schemas.microsoft.com/office/powerpoint/2010/main">
+    <p:dissolve/>
+  </p:transition>
+  <p:timing>
+    <p:tnLst>
+      <p:par>
+        <p:cTn xmlns:p14="http://schemas.microsoft.com/office/powerpoint/2010/main" id="1" dur="indefinite" restart="never" nodeType="tmRoot"/>
+      </p:par>
+    </p:tnLst>
+  </p:timing>
+</p:sld>
+</file>
+
+<file path=ppt/slides/slide12.xml><?xml version="1.0" encoding="utf-8"?>
+<p:sld xmlns:a="http://schemas.openxmlformats.org/drawingml/2006/main" xmlns:r="http://schemas.openxmlformats.org/officeDocument/2006/relationships" xmlns:p="http://schemas.openxmlformats.org/presentationml/2006/main">
+  <p:cSld>
+    <p:spTree>
+      <p:nvGrpSpPr>
+        <p:cNvPr id="1" name=""/>
+        <p:cNvGrpSpPr/>
+        <p:nvPr/>
+      </p:nvGrpSpPr>
+      <p:grpSpPr>
+        <a:xfrm>
+          <a:off x="0" y="0"/>
+          <a:ext cx="0" cy="0"/>
+          <a:chOff x="0" y="0"/>
+          <a:chExt cx="0" cy="0"/>
+        </a:xfrm>
+      </p:grpSpPr>
+      <p:sp>
+        <p:nvSpPr>
+          <p:cNvPr id="2" name="Title 1"/>
+          <p:cNvSpPr>
+            <a:spLocks noGrp="1"/>
+          </p:cNvSpPr>
+          <p:nvPr>
+            <p:ph type="title"/>
+          </p:nvPr>
+        </p:nvSpPr>
+        <p:spPr/>
+        <p:txBody>
+          <a:bodyPr/>
+          <a:lstStyle/>
+          <a:p>
+            <a:r>
+              <a:rPr lang="en-US" dirty="0" smtClean="0"/>
+              <a:t>Parameter Tuning</a:t>
+            </a:r>
+            <a:endParaRPr lang="en-US" dirty="0"/>
+          </a:p>
+        </p:txBody>
+      </p:sp>
+      <p:sp>
+        <p:nvSpPr>
+          <p:cNvPr id="3" name="Content Placeholder 2"/>
+          <p:cNvSpPr>
+            <a:spLocks noGrp="1"/>
+          </p:cNvSpPr>
+          <p:nvPr>
+            <p:ph idx="1"/>
+          </p:nvPr>
+        </p:nvSpPr>
+        <p:spPr/>
+        <p:txBody>
+          <a:bodyPr>
+            <a:normAutofit fontScale="85000" lnSpcReduction="20000"/>
+          </a:bodyPr>
+          <a:lstStyle/>
+          <a:p>
+            <a:r>
+              <a:rPr lang="en-US" dirty="0" smtClean="0"/>
+              <a:t>SMOTE preprocess training data</a:t>
+            </a:r>
+          </a:p>
+          <a:p>
+            <a:r>
+              <a:rPr lang="en-US" dirty="0" smtClean="0"/>
+              <a:t>Tuning calibrates the predictor</a:t>
+            </a:r>
+          </a:p>
+          <a:p>
+            <a:r>
+              <a:rPr lang="en-US" dirty="0" smtClean="0"/>
+              <a:t>Automate calibration using metaheuristics</a:t>
+            </a:r>
+          </a:p>
+          <a:p>
+            <a:pPr lvl="1"/>
+            <a:r>
+              <a:rPr lang="en-US" dirty="0" smtClean="0"/>
+              <a:t>Differential Evolution is popular and a simple optimizer </a:t>
+            </a:r>
+          </a:p>
+          <a:p>
+            <a:r>
+              <a:rPr lang="en-US" dirty="0" smtClean="0"/>
+              <a:t>Use training data to learn the best parameters for the predictor</a:t>
+            </a:r>
+          </a:p>
+          <a:p>
+            <a:r>
+              <a:rPr lang="en-US" dirty="0" smtClean="0"/>
+              <a:t>Test data must not be revealed</a:t>
+            </a:r>
+          </a:p>
+          <a:p>
+            <a:pPr lvl="1"/>
+            <a:r>
+              <a:rPr lang="en-US" dirty="0" smtClean="0"/>
+              <a:t>Only datasets with 3 or more historic versions are used</a:t>
+            </a:r>
+          </a:p>
+          <a:p>
+            <a:pPr lvl="1"/>
+            <a:r>
+              <a:rPr lang="en-US" dirty="0" smtClean="0"/>
+              <a:t>Last version is used for test, all other are used for training</a:t>
+            </a:r>
+            <a:endParaRPr lang="en-US" dirty="0"/>
+          </a:p>
+        </p:txBody>
+      </p:sp>
+    </p:spTree>
+    <p:extLst>
+      <p:ext uri="{BB962C8B-B14F-4D97-AF65-F5344CB8AC3E}">
+        <p14:creationId xmlns:p14="http://schemas.microsoft.com/office/powerpoint/2010/main" val="554077718"/>
+      </p:ext>
+    </p:extLst>
+  </p:cSld>
+  <p:clrMapOvr>
+    <a:masterClrMapping/>
+  </p:clrMapOvr>
+  <p:transition xmlns:p14="http://schemas.microsoft.com/office/powerpoint/2010/main">
+    <p:dissolve/>
+  </p:transition>
+  <p:timing>
+    <p:tnLst>
+      <p:par>
+        <p:cTn xmlns:p14="http://schemas.microsoft.com/office/powerpoint/2010/main" id="1" dur="indefinite" restart="never" nodeType="tmRoot"/>
+      </p:par>
+    </p:tnLst>
+  </p:timing>
+</p:sld>
+</file>
+
+<file path=ppt/slides/slide13.xml><?xml version="1.0" encoding="utf-8"?>
+<p:sld xmlns:a="http://schemas.openxmlformats.org/drawingml/2006/main" xmlns:r="http://schemas.openxmlformats.org/officeDocument/2006/relationships" xmlns:p="http://schemas.openxmlformats.org/presentationml/2006/main">
+  <p:cSld>
+    <p:spTree>
+      <p:nvGrpSpPr>
+        <p:cNvPr id="1" name=""/>
+        <p:cNvGrpSpPr/>
+        <p:nvPr/>
+      </p:nvGrpSpPr>
+      <p:grpSpPr>
+        <a:xfrm>
+          <a:off x="0" y="0"/>
+          <a:ext cx="0" cy="0"/>
+          <a:chOff x="0" y="0"/>
+          <a:chExt cx="0" cy="0"/>
+        </a:xfrm>
+      </p:grpSpPr>
+      <p:sp>
+        <p:nvSpPr>
+          <p:cNvPr id="2" name="Title 1"/>
+          <p:cNvSpPr>
+            <a:spLocks noGrp="1"/>
+          </p:cNvSpPr>
+          <p:nvPr>
+            <p:ph type="title"/>
+          </p:nvPr>
+        </p:nvSpPr>
+        <p:spPr>
+          <a:xfrm>
+            <a:off x="534162" y="952067"/>
+            <a:ext cx="8534400" cy="1143000"/>
+          </a:xfrm>
+        </p:spPr>
+        <p:txBody>
+          <a:bodyPr/>
+          <a:lstStyle/>
+          <a:p>
+            <a:r>
+              <a:rPr lang="en-US" dirty="0" smtClean="0"/>
+              <a:t>Differential Evolution </a:t>
+            </a:r>
+            <a:br>
+              <a:rPr lang="en-US" dirty="0" smtClean="0"/>
+            </a:br>
+            <a:r>
+              <a:rPr lang="en-US" dirty="0" smtClean="0"/>
+              <a:t>(in a nutshell)</a:t>
+            </a:r>
+            <a:endParaRPr lang="en-US" dirty="0"/>
+          </a:p>
+        </p:txBody>
+      </p:sp>
+      <p:sp>
+        <p:nvSpPr>
+          <p:cNvPr id="3" name="Content Placeholder 2"/>
+          <p:cNvSpPr>
+            <a:spLocks noGrp="1"/>
+          </p:cNvSpPr>
+          <p:nvPr>
+            <p:ph idx="1"/>
+          </p:nvPr>
+        </p:nvSpPr>
+        <p:spPr>
+          <a:xfrm>
+            <a:off x="534162" y="2303516"/>
+            <a:ext cx="8534400" cy="3792483"/>
+          </a:xfrm>
+        </p:spPr>
+        <p:txBody>
+          <a:bodyPr>
+            <a:normAutofit lnSpcReduction="10000"/>
+          </a:bodyPr>
+          <a:lstStyle/>
+          <a:p>
+            <a:pPr marL="514350" indent="-514350">
+              <a:buFont typeface="+mj-lt"/>
+              <a:buAutoNum type="arabicPeriod"/>
+            </a:pPr>
+            <a:r>
+              <a:rPr lang="en-US" dirty="0" smtClean="0"/>
+              <a:t>Randomly choose attributes</a:t>
+            </a:r>
+          </a:p>
+          <a:p>
+            <a:pPr marL="514350" indent="-514350">
+              <a:buFont typeface="+mj-lt"/>
+              <a:buAutoNum type="arabicPeriod"/>
+            </a:pPr>
+            <a:r>
+              <a:rPr lang="en-US" dirty="0" smtClean="0"/>
+              <a:t>Pick any two attributes and create a new attribute by interpolation</a:t>
+            </a:r>
+          </a:p>
+          <a:p>
+            <a:pPr marL="514350" indent="-514350">
+              <a:buFont typeface="+mj-lt"/>
+              <a:buAutoNum type="arabicPeriod"/>
+            </a:pPr>
+            <a:r>
+              <a:rPr lang="en-US" dirty="0" smtClean="0"/>
+              <a:t>If the new attribute performs better than the old one discard the old one</a:t>
+            </a:r>
+          </a:p>
+          <a:p>
+            <a:pPr marL="514350" indent="-514350">
+              <a:buFont typeface="+mj-lt"/>
+              <a:buAutoNum type="arabicPeriod"/>
+            </a:pPr>
+            <a:r>
+              <a:rPr lang="en-US" dirty="0" smtClean="0"/>
+              <a:t>If not discard the new one</a:t>
+            </a:r>
+          </a:p>
+          <a:p>
+            <a:pPr marL="514350" indent="-514350">
+              <a:buFont typeface="+mj-lt"/>
+              <a:buAutoNum type="arabicPeriod"/>
+            </a:pPr>
+            <a:r>
+              <a:rPr lang="en-US" dirty="0" smtClean="0"/>
+              <a:t>Repeat 2-4</a:t>
+            </a:r>
+            <a:endParaRPr lang="en-US" dirty="0"/>
+          </a:p>
+        </p:txBody>
+      </p:sp>
+    </p:spTree>
+    <p:extLst>
+      <p:ext uri="{BB962C8B-B14F-4D97-AF65-F5344CB8AC3E}">
+        <p14:creationId xmlns:p14="http://schemas.microsoft.com/office/powerpoint/2010/main" val="2861742604"/>
+      </p:ext>
+    </p:extLst>
+  </p:cSld>
+  <p:clrMapOvr>
+    <a:masterClrMapping/>
+  </p:clrMapOvr>
+  <p:transition xmlns:p14="http://schemas.microsoft.com/office/powerpoint/2010/main">
+    <p:dissolve/>
+  </p:transition>
+  <p:timing>
+    <p:tnLst>
+      <p:par>
+        <p:cTn xmlns:p14="http://schemas.microsoft.com/office/powerpoint/2010/main" id="1" dur="indefinite" restart="never" nodeType="tmRoot"/>
+      </p:par>
+    </p:tnLst>
+  </p:timing>
+</p:sld>
+</file>
+
+<file path=ppt/slides/slide14.xml><?xml version="1.0" encoding="utf-8"?>
+<p:sld xmlns:a="http://schemas.openxmlformats.org/drawingml/2006/main" xmlns:r="http://schemas.openxmlformats.org/officeDocument/2006/relationships" xmlns:p="http://schemas.openxmlformats.org/presentationml/2006/main">
+  <p:cSld>
+    <p:spTree>
+      <p:nvGrpSpPr>
+        <p:cNvPr id="1" name=""/>
+        <p:cNvGrpSpPr/>
+        <p:nvPr/>
+      </p:nvGrpSpPr>
+      <p:grpSpPr>
+        <a:xfrm>
+          <a:off x="0" y="0"/>
+          <a:ext cx="0" cy="0"/>
+          <a:chOff x="0" y="0"/>
+          <a:chExt cx="0" cy="0"/>
+        </a:xfrm>
+      </p:grpSpPr>
+      <p:sp>
+        <p:nvSpPr>
+          <p:cNvPr id="4" name="Title 3"/>
+          <p:cNvSpPr>
+            <a:spLocks noGrp="1"/>
+          </p:cNvSpPr>
+          <p:nvPr>
+            <p:ph type="title"/>
+          </p:nvPr>
+        </p:nvSpPr>
+        <p:spPr/>
+        <p:txBody>
+          <a:bodyPr/>
+          <a:lstStyle/>
+          <a:p>
+            <a:r>
+              <a:rPr lang="en-US" dirty="0" smtClean="0"/>
+              <a:t>Datasets</a:t>
+            </a:r>
+            <a:endParaRPr lang="en-US" dirty="0"/>
+          </a:p>
+        </p:txBody>
+      </p:sp>
+      <p:sp>
+        <p:nvSpPr>
+          <p:cNvPr id="5" name="Text Placeholder 4"/>
+          <p:cNvSpPr>
+            <a:spLocks noGrp="1"/>
+          </p:cNvSpPr>
+          <p:nvPr>
+            <p:ph type="body" idx="1"/>
+          </p:nvPr>
+        </p:nvSpPr>
+        <p:spPr/>
+        <p:txBody>
+          <a:bodyPr/>
+          <a:lstStyle/>
+          <a:p>
+            <a:endParaRPr lang="en-US"/>
+          </a:p>
+        </p:txBody>
+      </p:sp>
+    </p:spTree>
+    <p:extLst>
+      <p:ext uri="{BB962C8B-B14F-4D97-AF65-F5344CB8AC3E}">
+        <p14:creationId xmlns:p14="http://schemas.microsoft.com/office/powerpoint/2010/main" val="1817679801"/>
+      </p:ext>
+    </p:extLst>
+  </p:cSld>
+  <p:clrMapOvr>
+    <a:masterClrMapping/>
+  </p:clrMapOvr>
+  <p:transition xmlns:p14="http://schemas.microsoft.com/office/powerpoint/2010/main">
+    <p:dissolve/>
+  </p:transition>
+</p:sld>
+</file>
+
+<file path=ppt/slides/slide15.xml><?xml version="1.0" encoding="utf-8"?>
+<p:sld xmlns:a="http://schemas.openxmlformats.org/drawingml/2006/main" xmlns:r="http://schemas.openxmlformats.org/officeDocument/2006/relationships" xmlns:p="http://schemas.openxmlformats.org/presentationml/2006/main">
+  <p:cSld>
+    <p:spTree>
+      <p:nvGrpSpPr>
+        <p:cNvPr id="1" name=""/>
+        <p:cNvGrpSpPr/>
+        <p:nvPr/>
+      </p:nvGrpSpPr>
+      <p:grpSpPr>
+        <a:xfrm>
+          <a:off x="0" y="0"/>
+          <a:ext cx="0" cy="0"/>
+          <a:chOff x="0" y="0"/>
+          <a:chExt cx="0" cy="0"/>
+        </a:xfrm>
+      </p:grpSpPr>
+      <p:sp>
+        <p:nvSpPr>
+          <p:cNvPr id="2" name="Title 1"/>
+          <p:cNvSpPr>
+            <a:spLocks noGrp="1"/>
+          </p:cNvSpPr>
+          <p:nvPr>
+            <p:ph type="title"/>
+          </p:nvPr>
+        </p:nvSpPr>
+        <p:spPr/>
+        <p:txBody>
+          <a:bodyPr/>
+          <a:lstStyle/>
+          <a:p>
+            <a:r>
+              <a:rPr lang="en-US" dirty="0" smtClean="0"/>
+              <a:t>Datasets</a:t>
+            </a:r>
+            <a:endParaRPr lang="en-US" dirty="0"/>
+          </a:p>
+        </p:txBody>
+      </p:sp>
+      <p:sp>
+        <p:nvSpPr>
+          <p:cNvPr id="3" name="Content Placeholder 2"/>
+          <p:cNvSpPr>
+            <a:spLocks noGrp="1"/>
+          </p:cNvSpPr>
+          <p:nvPr>
+            <p:ph idx="1"/>
+          </p:nvPr>
+        </p:nvSpPr>
+        <p:spPr/>
+        <p:txBody>
+          <a:bodyPr>
+            <a:normAutofit fontScale="92500" lnSpcReduction="20000"/>
+          </a:bodyPr>
+          <a:lstStyle/>
+          <a:p>
+            <a:r>
+              <a:rPr lang="en-US" dirty="0" smtClean="0"/>
+              <a:t>8 Defect Prediction Datasets:</a:t>
+            </a:r>
+          </a:p>
+          <a:p>
+            <a:pPr marL="971550" lvl="1" indent="-514350">
+              <a:buFont typeface="+mj-lt"/>
+              <a:buAutoNum type="arabicPeriod"/>
+            </a:pPr>
+            <a:r>
+              <a:rPr lang="en-US" dirty="0" smtClean="0"/>
+              <a:t>Ant</a:t>
+            </a:r>
+          </a:p>
+          <a:p>
+            <a:pPr marL="971550" lvl="1" indent="-514350">
+              <a:buFont typeface="+mj-lt"/>
+              <a:buAutoNum type="arabicPeriod"/>
+            </a:pPr>
+            <a:r>
+              <a:rPr lang="en-US" dirty="0" smtClean="0"/>
+              <a:t>Ivy</a:t>
+            </a:r>
+          </a:p>
+          <a:p>
+            <a:pPr marL="971550" lvl="1" indent="-514350">
+              <a:buFont typeface="+mj-lt"/>
+              <a:buAutoNum type="arabicPeriod"/>
+            </a:pPr>
+            <a:r>
+              <a:rPr lang="en-US" dirty="0" err="1" smtClean="0"/>
+              <a:t>Jedit</a:t>
+            </a:r>
+            <a:endParaRPr lang="en-US" dirty="0" smtClean="0"/>
+          </a:p>
+          <a:p>
+            <a:pPr marL="971550" lvl="1" indent="-514350">
+              <a:buFont typeface="+mj-lt"/>
+              <a:buAutoNum type="arabicPeriod"/>
+            </a:pPr>
+            <a:r>
+              <a:rPr lang="en-US" dirty="0" err="1" smtClean="0"/>
+              <a:t>Lucene</a:t>
+            </a:r>
+            <a:endParaRPr lang="en-US" dirty="0" smtClean="0"/>
+          </a:p>
+          <a:p>
+            <a:pPr marL="971550" lvl="1" indent="-514350">
+              <a:buFont typeface="+mj-lt"/>
+              <a:buAutoNum type="arabicPeriod"/>
+            </a:pPr>
+            <a:r>
+              <a:rPr lang="en-US" dirty="0" smtClean="0"/>
+              <a:t>Poi</a:t>
+            </a:r>
+          </a:p>
+          <a:p>
+            <a:pPr marL="971550" lvl="1" indent="-514350">
+              <a:buFont typeface="+mj-lt"/>
+              <a:buAutoNum type="arabicPeriod"/>
+            </a:pPr>
+            <a:r>
+              <a:rPr lang="en-US" dirty="0" smtClean="0"/>
+              <a:t>Synapse</a:t>
+            </a:r>
+          </a:p>
+          <a:p>
+            <a:pPr marL="971550" lvl="1" indent="-514350">
+              <a:buFont typeface="+mj-lt"/>
+              <a:buAutoNum type="arabicPeriod"/>
+            </a:pPr>
+            <a:r>
+              <a:rPr lang="en-US" dirty="0" smtClean="0"/>
+              <a:t>Velocity</a:t>
+            </a:r>
+          </a:p>
+          <a:p>
+            <a:pPr marL="971550" lvl="1" indent="-514350">
+              <a:buFont typeface="+mj-lt"/>
+              <a:buAutoNum type="arabicPeriod"/>
+            </a:pPr>
+            <a:r>
+              <a:rPr lang="en-US" dirty="0" err="1" smtClean="0"/>
+              <a:t>Xalan</a:t>
+            </a:r>
+            <a:endParaRPr lang="en-US" dirty="0" smtClean="0"/>
+          </a:p>
+          <a:p>
+            <a:pPr marL="571500" indent="-514350"/>
+            <a:r>
+              <a:rPr lang="en-US" dirty="0" smtClean="0"/>
+              <a:t>1 </a:t>
+            </a:r>
+            <a:r>
+              <a:rPr lang="en-US" dirty="0" err="1" smtClean="0"/>
+              <a:t>Bugzilla</a:t>
+            </a:r>
+            <a:r>
+              <a:rPr lang="en-US" dirty="0" smtClean="0"/>
+              <a:t> dataset (Thanks Chris!) </a:t>
+            </a:r>
+            <a:endParaRPr lang="en-US" dirty="0"/>
+          </a:p>
+        </p:txBody>
+      </p:sp>
+    </p:spTree>
+    <p:extLst>
+      <p:ext uri="{BB962C8B-B14F-4D97-AF65-F5344CB8AC3E}">
+        <p14:creationId xmlns:p14="http://schemas.microsoft.com/office/powerpoint/2010/main" val="1704344905"/>
+      </p:ext>
+    </p:extLst>
+  </p:cSld>
+  <p:clrMapOvr>
+    <a:masterClrMapping/>
+  </p:clrMapOvr>
+  <p:transition xmlns:p14="http://schemas.microsoft.com/office/powerpoint/2010/main">
+    <p:dissolve/>
+  </p:transition>
+</p:sld>
+</file>
+
+<file path=ppt/slides/slide16.xml><?xml version="1.0" encoding="utf-8"?>
+<p:sld xmlns:a="http://schemas.openxmlformats.org/drawingml/2006/main" xmlns:r="http://schemas.openxmlformats.org/officeDocument/2006/relationships" xmlns:p="http://schemas.openxmlformats.org/presentationml/2006/main">
+  <p:cSld>
+    <p:spTree>
+      <p:nvGrpSpPr>
+        <p:cNvPr id="1" name=""/>
+        <p:cNvGrpSpPr/>
+        <p:nvPr/>
+      </p:nvGrpSpPr>
+      <p:grpSpPr>
+        <a:xfrm>
+          <a:off x="0" y="0"/>
+          <a:ext cx="0" cy="0"/>
+          <a:chOff x="0" y="0"/>
+          <a:chExt cx="0" cy="0"/>
+        </a:xfrm>
+      </p:grpSpPr>
+      <p:sp>
+        <p:nvSpPr>
+          <p:cNvPr id="2" name="Title 1"/>
+          <p:cNvSpPr>
+            <a:spLocks noGrp="1"/>
+          </p:cNvSpPr>
+          <p:nvPr>
+            <p:ph type="title"/>
+          </p:nvPr>
+        </p:nvSpPr>
+        <p:spPr/>
+        <p:txBody>
+          <a:bodyPr/>
+          <a:lstStyle/>
+          <a:p>
+            <a:r>
+              <a:rPr lang="en-US" dirty="0" smtClean="0"/>
+              <a:t>The Metrics</a:t>
+            </a:r>
+            <a:endParaRPr lang="en-US" dirty="0"/>
+          </a:p>
+        </p:txBody>
+      </p:sp>
+      <p:pic>
+        <p:nvPicPr>
+          <p:cNvPr id="9" name="Picture 8"/>
+          <p:cNvPicPr>
+            <a:picLocks noChangeAspect="1"/>
+          </p:cNvPicPr>
+          <p:nvPr/>
+        </p:nvPicPr>
+        <p:blipFill>
+          <a:blip r:embed="rId2"/>
+          <a:stretch>
+            <a:fillRect/>
+          </a:stretch>
+        </p:blipFill>
+        <p:spPr>
+          <a:xfrm>
+            <a:off x="352362" y="1786984"/>
+            <a:ext cx="8716200" cy="4930877"/>
+          </a:xfrm>
+          <a:prstGeom prst="rect">
+            <a:avLst/>
+          </a:prstGeom>
+        </p:spPr>
+      </p:pic>
+    </p:spTree>
+    <p:extLst>
+      <p:ext uri="{BB962C8B-B14F-4D97-AF65-F5344CB8AC3E}">
+        <p14:creationId xmlns:p14="http://schemas.microsoft.com/office/powerpoint/2010/main" val="1238930839"/>
+      </p:ext>
+    </p:extLst>
+  </p:cSld>
+  <p:clrMapOvr>
+    <a:masterClrMapping/>
+  </p:clrMapOvr>
+  <p:transition xmlns:p14="http://schemas.microsoft.com/office/powerpoint/2010/main">
+    <p:dissolve/>
+  </p:transition>
+</p:sld>
+</file>
+
+<file path=ppt/slides/slide17.xml><?xml version="1.0" encoding="utf-8"?>
+<p:sld xmlns:a="http://schemas.openxmlformats.org/drawingml/2006/main" xmlns:r="http://schemas.openxmlformats.org/officeDocument/2006/relationships" xmlns:p="http://schemas.openxmlformats.org/presentationml/2006/main">
+  <p:cSld>
+    <p:spTree>
+      <p:nvGrpSpPr>
+        <p:cNvPr id="1" name=""/>
+        <p:cNvGrpSpPr/>
+        <p:nvPr/>
+      </p:nvGrpSpPr>
+      <p:grpSpPr>
+        <a:xfrm>
+          <a:off x="0" y="0"/>
+          <a:ext cx="0" cy="0"/>
+          <a:chOff x="0" y="0"/>
+          <a:chExt cx="0" cy="0"/>
+        </a:xfrm>
+      </p:grpSpPr>
+      <p:sp>
+        <p:nvSpPr>
+          <p:cNvPr id="4" name="Title 3"/>
+          <p:cNvSpPr>
+            <a:spLocks noGrp="1"/>
+          </p:cNvSpPr>
+          <p:nvPr>
+            <p:ph type="title"/>
+          </p:nvPr>
+        </p:nvSpPr>
+        <p:spPr/>
+        <p:txBody>
+          <a:bodyPr/>
+          <a:lstStyle/>
+          <a:p>
+            <a:r>
+              <a:rPr lang="en-US" dirty="0" smtClean="0"/>
+              <a:t>Experimental Setup</a:t>
+            </a:r>
+            <a:endParaRPr lang="en-US" dirty="0"/>
+          </a:p>
+        </p:txBody>
+      </p:sp>
+      <p:sp>
+        <p:nvSpPr>
+          <p:cNvPr id="5" name="Text Placeholder 4"/>
+          <p:cNvSpPr>
+            <a:spLocks noGrp="1"/>
+          </p:cNvSpPr>
+          <p:nvPr>
+            <p:ph type="body" idx="1"/>
+          </p:nvPr>
+        </p:nvSpPr>
+        <p:spPr/>
+        <p:txBody>
+          <a:bodyPr/>
+          <a:lstStyle/>
+          <a:p>
+            <a:endParaRPr lang="en-US"/>
+          </a:p>
+        </p:txBody>
+      </p:sp>
+    </p:spTree>
+    <p:extLst>
+      <p:ext uri="{BB962C8B-B14F-4D97-AF65-F5344CB8AC3E}">
+        <p14:creationId xmlns:p14="http://schemas.microsoft.com/office/powerpoint/2010/main" val="1842236613"/>
+      </p:ext>
+    </p:extLst>
+  </p:cSld>
+  <p:clrMapOvr>
+    <a:masterClrMapping/>
+  </p:clrMapOvr>
+  <p:transition xmlns:p14="http://schemas.microsoft.com/office/powerpoint/2010/main">
+    <p:dissolve/>
+  </p:transition>
+</p:sld>
+</file>
+
+<file path=ppt/slides/slide18.xml><?xml version="1.0" encoding="utf-8"?>
+<p:sld xmlns:a="http://schemas.openxmlformats.org/drawingml/2006/main" xmlns:r="http://schemas.openxmlformats.org/officeDocument/2006/relationships" xmlns:p="http://schemas.openxmlformats.org/presentationml/2006/main">
+  <p:cSld>
+    <p:spTree>
+      <p:nvGrpSpPr>
+        <p:cNvPr id="1" name=""/>
+        <p:cNvGrpSpPr/>
+        <p:nvPr/>
+      </p:nvGrpSpPr>
+      <p:grpSpPr>
+        <a:xfrm>
+          <a:off x="0" y="0"/>
+          <a:ext cx="0" cy="0"/>
+          <a:chOff x="0" y="0"/>
+          <a:chExt cx="0" cy="0"/>
+        </a:xfrm>
+      </p:grpSpPr>
+      <p:sp>
+        <p:nvSpPr>
+          <p:cNvPr id="4" name="Title 3"/>
+          <p:cNvSpPr>
+            <a:spLocks noGrp="1"/>
+          </p:cNvSpPr>
+          <p:nvPr>
+            <p:ph type="title"/>
+          </p:nvPr>
+        </p:nvSpPr>
+        <p:spPr/>
+        <p:txBody>
+          <a:bodyPr/>
+          <a:lstStyle/>
+          <a:p>
+            <a:r>
+              <a:rPr lang="en-US" dirty="0" smtClean="0"/>
+              <a:t>Statistical Measures</a:t>
+            </a:r>
+            <a:endParaRPr lang="en-US" dirty="0"/>
+          </a:p>
+        </p:txBody>
+      </p:sp>
+      <p:sp>
+        <p:nvSpPr>
+          <p:cNvPr id="5" name="Content Placeholder 4"/>
+          <p:cNvSpPr>
+            <a:spLocks noGrp="1"/>
+          </p:cNvSpPr>
+          <p:nvPr>
+            <p:ph idx="1"/>
+          </p:nvPr>
+        </p:nvSpPr>
+        <p:spPr/>
+        <p:txBody>
+          <a:bodyPr>
+            <a:normAutofit fontScale="55000" lnSpcReduction="20000"/>
+          </a:bodyPr>
+          <a:lstStyle/>
+          <a:p>
+            <a:r>
+              <a:rPr lang="en-US" dirty="0" smtClean="0"/>
+              <a:t>Let A,B,C,D denote True negative, False Negative, False Positive, True Positive</a:t>
+            </a:r>
+          </a:p>
+          <a:p>
+            <a:r>
+              <a:rPr lang="en-US" dirty="0" smtClean="0"/>
+              <a:t>The standard measures:</a:t>
+            </a:r>
+          </a:p>
+          <a:p>
+            <a:endParaRPr lang="en-US" dirty="0"/>
+          </a:p>
+          <a:p>
+            <a:endParaRPr lang="en-US" dirty="0" smtClean="0"/>
+          </a:p>
+          <a:p>
+            <a:pPr marL="0" indent="0">
+              <a:buNone/>
+            </a:pPr>
+            <a:endParaRPr lang="en-US" dirty="0"/>
+          </a:p>
+          <a:p>
+            <a:r>
+              <a:rPr lang="en-US" dirty="0" smtClean="0"/>
+              <a:t>F,G measure both defects and non-defects at once. Recall and specificity only measure one.</a:t>
+            </a:r>
+          </a:p>
+          <a:p>
+            <a:r>
+              <a:rPr lang="en-US" dirty="0" smtClean="0"/>
+              <a:t>G is especially useful, it is the harmonic mean between recall and specificity.</a:t>
+            </a:r>
+          </a:p>
+          <a:p>
+            <a:r>
+              <a:rPr lang="en-US" dirty="0" smtClean="0"/>
+              <a:t>G is lower than both recall and fallout.</a:t>
+            </a:r>
+          </a:p>
+          <a:p>
+            <a:pPr lvl="1"/>
+            <a:r>
+              <a:rPr lang="en-US" i="1" dirty="0" smtClean="0"/>
+              <a:t>High G implies both Recall and sensitivity are high. Which is good!</a:t>
+            </a:r>
+          </a:p>
+          <a:p>
+            <a:pPr marL="457200" lvl="1" indent="0">
+              <a:buNone/>
+            </a:pPr>
+            <a:endParaRPr lang="en-US" dirty="0" smtClean="0"/>
+          </a:p>
+          <a:p>
+            <a:pPr marL="457200" lvl="1" indent="0">
+              <a:buNone/>
+            </a:pPr>
+            <a:endParaRPr lang="en-US" dirty="0"/>
+          </a:p>
+          <a:p>
+            <a:pPr marL="457200" lvl="1" indent="0">
+              <a:buNone/>
+            </a:pPr>
+            <a:endParaRPr lang="en-US" dirty="0" smtClean="0"/>
+          </a:p>
+          <a:p>
+            <a:pPr marL="457200" lvl="1" indent="0">
+              <a:buNone/>
+            </a:pPr>
+            <a:endParaRPr lang="en-US" dirty="0"/>
+          </a:p>
+          <a:p>
+            <a:pPr marL="457200" lvl="1" indent="0">
+              <a:buNone/>
+            </a:pPr>
+            <a:r>
+              <a:rPr lang="en-US" dirty="0" smtClean="0"/>
+              <a:t> </a:t>
+            </a:r>
+          </a:p>
+          <a:p>
+            <a:pPr marL="457200" lvl="1" indent="0">
+              <a:buNone/>
+            </a:pPr>
+            <a:r>
+              <a:rPr lang="en-US" dirty="0"/>
+              <a:t> </a:t>
+            </a:r>
+            <a:endParaRPr lang="en-US" dirty="0" smtClean="0"/>
+          </a:p>
+          <a:p>
+            <a:pPr marL="457200" lvl="1" indent="0">
+              <a:buNone/>
+            </a:pPr>
+            <a:endParaRPr lang="en-US" dirty="0" smtClean="0"/>
+          </a:p>
+          <a:p>
+            <a:pPr lvl="1"/>
+            <a:endParaRPr lang="en-US" dirty="0" smtClean="0"/>
+          </a:p>
+          <a:p>
+            <a:endParaRPr lang="en-US" dirty="0"/>
+          </a:p>
+        </p:txBody>
+      </p:sp>
+      <p:pic>
+        <p:nvPicPr>
+          <p:cNvPr id="6" name="Picture 5"/>
+          <p:cNvPicPr>
+            <a:picLocks noChangeAspect="1"/>
+          </p:cNvPicPr>
+          <p:nvPr/>
+        </p:nvPicPr>
+        <p:blipFill>
+          <a:blip r:embed="rId2"/>
+          <a:stretch>
+            <a:fillRect/>
+          </a:stretch>
+        </p:blipFill>
+        <p:spPr>
+          <a:xfrm>
+            <a:off x="3494689" y="2301223"/>
+            <a:ext cx="3637239" cy="983259"/>
+          </a:xfrm>
+          <a:prstGeom prst="rect">
+            <a:avLst/>
+          </a:prstGeom>
+        </p:spPr>
+      </p:pic>
+      <p:pic>
+        <p:nvPicPr>
+          <p:cNvPr id="7" name="Picture 6"/>
+          <p:cNvPicPr>
+            <a:picLocks noChangeAspect="1"/>
+          </p:cNvPicPr>
+          <p:nvPr/>
+        </p:nvPicPr>
+        <p:blipFill>
+          <a:blip r:embed="rId3"/>
+          <a:stretch>
+            <a:fillRect/>
+          </a:stretch>
+        </p:blipFill>
+        <p:spPr>
+          <a:xfrm>
+            <a:off x="3170621" y="4695718"/>
+            <a:ext cx="2802758" cy="1984964"/>
+          </a:xfrm>
+          <a:prstGeom prst="rect">
+            <a:avLst/>
+          </a:prstGeom>
+        </p:spPr>
+      </p:pic>
+    </p:spTree>
+    <p:extLst>
+      <p:ext uri="{BB962C8B-B14F-4D97-AF65-F5344CB8AC3E}">
+        <p14:creationId xmlns:p14="http://schemas.microsoft.com/office/powerpoint/2010/main" val="2750324767"/>
+      </p:ext>
+    </p:extLst>
+  </p:cSld>
+  <p:clrMapOvr>
+    <a:masterClrMapping/>
+  </p:clrMapOvr>
+  <p:transition xmlns:p14="http://schemas.microsoft.com/office/powerpoint/2010/main">
+    <p:dissolve/>
+  </p:transition>
+</p:sld>
+</file>
+
+<file path=ppt/slides/slide19.xml><?xml version="1.0" encoding="utf-8"?>
+<p:sld xmlns:a="http://schemas.openxmlformats.org/drawingml/2006/main" xmlns:r="http://schemas.openxmlformats.org/officeDocument/2006/relationships" xmlns:p="http://schemas.openxmlformats.org/presentationml/2006/main">
+  <p:cSld>
+    <p:spTree>
+      <p:nvGrpSpPr>
+        <p:cNvPr id="1" name=""/>
+        <p:cNvGrpSpPr/>
+        <p:nvPr/>
+      </p:nvGrpSpPr>
+      <p:grpSpPr>
+        <a:xfrm>
+          <a:off x="0" y="0"/>
+          <a:ext cx="0" cy="0"/>
+          <a:chOff x="0" y="0"/>
+          <a:chExt cx="0" cy="0"/>
+        </a:xfrm>
+      </p:grpSpPr>
+      <p:sp>
+        <p:nvSpPr>
+          <p:cNvPr id="4" name="Title 3"/>
+          <p:cNvSpPr>
+            <a:spLocks noGrp="1"/>
+          </p:cNvSpPr>
+          <p:nvPr>
+            <p:ph type="title"/>
+          </p:nvPr>
+        </p:nvSpPr>
+        <p:spPr/>
+        <p:txBody>
+          <a:bodyPr/>
+          <a:lstStyle/>
+          <a:p>
+            <a:r>
+              <a:rPr lang="en-US" dirty="0" smtClean="0"/>
+              <a:t>Experimental RESULTS</a:t>
+            </a:r>
+            <a:endParaRPr lang="en-US" dirty="0"/>
+          </a:p>
+        </p:txBody>
+      </p:sp>
+      <p:sp>
+        <p:nvSpPr>
+          <p:cNvPr id="5" name="Text Placeholder 4"/>
+          <p:cNvSpPr>
+            <a:spLocks noGrp="1"/>
+          </p:cNvSpPr>
+          <p:nvPr>
+            <p:ph type="body" idx="1"/>
+          </p:nvPr>
+        </p:nvSpPr>
+        <p:spPr/>
+        <p:txBody>
+          <a:bodyPr/>
+          <a:lstStyle/>
+          <a:p>
+            <a:endParaRPr lang="en-US"/>
+          </a:p>
+        </p:txBody>
+      </p:sp>
+    </p:spTree>
+    <p:extLst>
+      <p:ext uri="{BB962C8B-B14F-4D97-AF65-F5344CB8AC3E}">
+        <p14:creationId xmlns:p14="http://schemas.microsoft.com/office/powerpoint/2010/main" val="2182152753"/>
       </p:ext>
     </p:extLst>
   </p:cSld>
@@ -4398,6 +5571,141 @@
   <p:transition xmlns:p14="http://schemas.microsoft.com/office/powerpoint/2010/main">
     <p:dissolve/>
   </p:transition>
+  <p:timing>
+    <p:tnLst>
+      <p:par>
+        <p:cTn xmlns:p14="http://schemas.microsoft.com/office/powerpoint/2010/main" id="1" dur="indefinite" restart="never" nodeType="tmRoot"/>
+      </p:par>
+    </p:tnLst>
+  </p:timing>
+</p:sld>
+</file>
+
+<file path=ppt/slides/slide20.xml><?xml version="1.0" encoding="utf-8"?>
+<p:sld xmlns:a="http://schemas.openxmlformats.org/drawingml/2006/main" xmlns:r="http://schemas.openxmlformats.org/officeDocument/2006/relationships" xmlns:p="http://schemas.openxmlformats.org/presentationml/2006/main">
+  <p:cSld>
+    <p:spTree>
+      <p:nvGrpSpPr>
+        <p:cNvPr id="1" name=""/>
+        <p:cNvGrpSpPr/>
+        <p:nvPr/>
+      </p:nvGrpSpPr>
+      <p:grpSpPr>
+        <a:xfrm>
+          <a:off x="0" y="0"/>
+          <a:ext cx="0" cy="0"/>
+          <a:chOff x="0" y="0"/>
+          <a:chExt cx="0" cy="0"/>
+        </a:xfrm>
+      </p:grpSpPr>
+      <p:sp>
+        <p:nvSpPr>
+          <p:cNvPr id="4" name="Title 3"/>
+          <p:cNvSpPr>
+            <a:spLocks noGrp="1"/>
+          </p:cNvSpPr>
+          <p:nvPr>
+            <p:ph type="title"/>
+          </p:nvPr>
+        </p:nvSpPr>
+        <p:spPr/>
+        <p:txBody>
+          <a:bodyPr/>
+          <a:lstStyle/>
+          <a:p>
+            <a:endParaRPr lang="en-US"/>
+          </a:p>
+        </p:txBody>
+      </p:sp>
+      <p:sp>
+        <p:nvSpPr>
+          <p:cNvPr id="5" name="Content Placeholder 4"/>
+          <p:cNvSpPr>
+            <a:spLocks noGrp="1"/>
+          </p:cNvSpPr>
+          <p:nvPr>
+            <p:ph idx="1"/>
+          </p:nvPr>
+        </p:nvSpPr>
+        <p:spPr/>
+        <p:txBody>
+          <a:bodyPr/>
+          <a:lstStyle/>
+          <a:p>
+            <a:endParaRPr lang="en-US"/>
+          </a:p>
+        </p:txBody>
+      </p:sp>
+    </p:spTree>
+    <p:extLst>
+      <p:ext uri="{BB962C8B-B14F-4D97-AF65-F5344CB8AC3E}">
+        <p14:creationId xmlns:p14="http://schemas.microsoft.com/office/powerpoint/2010/main" val="1001319436"/>
+      </p:ext>
+    </p:extLst>
+  </p:cSld>
+  <p:clrMapOvr>
+    <a:masterClrMapping/>
+  </p:clrMapOvr>
+  <p:transition xmlns:p14="http://schemas.microsoft.com/office/powerpoint/2010/main">
+    <p:dissolve/>
+  </p:transition>
+</p:sld>
+</file>
+
+<file path=ppt/slides/slide21.xml><?xml version="1.0" encoding="utf-8"?>
+<p:sld xmlns:a="http://schemas.openxmlformats.org/drawingml/2006/main" xmlns:r="http://schemas.openxmlformats.org/officeDocument/2006/relationships" xmlns:p="http://schemas.openxmlformats.org/presentationml/2006/main">
+  <p:cSld>
+    <p:spTree>
+      <p:nvGrpSpPr>
+        <p:cNvPr id="1" name=""/>
+        <p:cNvGrpSpPr/>
+        <p:nvPr/>
+      </p:nvGrpSpPr>
+      <p:grpSpPr>
+        <a:xfrm>
+          <a:off x="0" y="0"/>
+          <a:ext cx="0" cy="0"/>
+          <a:chOff x="0" y="0"/>
+          <a:chExt cx="0" cy="0"/>
+        </a:xfrm>
+      </p:grpSpPr>
+      <p:pic>
+        <p:nvPicPr>
+          <p:cNvPr id="4" name="Picture 3"/>
+          <p:cNvPicPr>
+            <a:picLocks noChangeAspect="1"/>
+          </p:cNvPicPr>
+          <p:nvPr/>
+        </p:nvPicPr>
+        <p:blipFill>
+          <a:blip r:embed="rId2"/>
+          <a:stretch>
+            <a:fillRect/>
+          </a:stretch>
+        </p:blipFill>
+        <p:spPr>
+          <a:xfrm>
+            <a:off x="332833" y="1412217"/>
+            <a:ext cx="8723586" cy="4920570"/>
+          </a:xfrm>
+          <a:prstGeom prst="rect">
+            <a:avLst/>
+          </a:prstGeom>
+        </p:spPr>
+      </p:pic>
+    </p:spTree>
+    <p:extLst>
+      <p:ext uri="{BB962C8B-B14F-4D97-AF65-F5344CB8AC3E}">
+        <p14:creationId xmlns:p14="http://schemas.microsoft.com/office/powerpoint/2010/main" val="1814928952"/>
+      </p:ext>
+    </p:extLst>
+  </p:cSld>
+  <p:clrMapOvr>
+    <a:masterClrMapping/>
+  </p:clrMapOvr>
+  <p:transition xmlns:p14="http://schemas.microsoft.com/office/powerpoint/2010/main">
+    <p:dissolve/>
+  </p:transition>
 </p:sld>
 </file>
 
@@ -4454,6 +5762,13 @@
   <p:transition xmlns:p14="http://schemas.microsoft.com/office/powerpoint/2010/main">
     <p:dissolve/>
   </p:transition>
+  <p:timing>
+    <p:tnLst>
+      <p:par>
+        <p:cTn xmlns:p14="http://schemas.microsoft.com/office/powerpoint/2010/main" id="1" dur="indefinite" restart="never" nodeType="tmRoot"/>
+      </p:par>
+    </p:tnLst>
+  </p:timing>
 </p:sld>
 </file>
 
@@ -4569,15 +5884,7 @@
             </a:pPr>
             <a:r>
               <a:rPr lang="en-US" dirty="0" smtClean="0"/>
-              <a:t>IEEE Metrics 2002 concluded that “Finding and fixing bugs after delivery is usually 100 times more expensive that do so at the requirements and </a:t>
-            </a:r>
-            <a:r>
-              <a:rPr lang="en-US" dirty="0" smtClean="0"/>
-              <a:t>design </a:t>
-            </a:r>
-            <a:r>
-              <a:rPr lang="en-US" dirty="0" smtClean="0"/>
-              <a:t>phase”</a:t>
+              <a:t>IEEE Metrics 2002 concluded that “Finding and fixing bugs after delivery is usually 100 times more expensive that do so at the requirements and design phase”</a:t>
             </a:r>
             <a:r>
               <a:rPr lang="en-US" baseline="30000" dirty="0" smtClean="0"/>
@@ -4825,6 +6132,13 @@
   <p:transition xmlns:p14="http://schemas.microsoft.com/office/powerpoint/2010/main">
     <p:dissolve/>
   </p:transition>
+  <p:timing>
+    <p:tnLst>
+      <p:par>
+        <p:cTn xmlns:p14="http://schemas.microsoft.com/office/powerpoint/2010/main" id="1" dur="indefinite" restart="never" nodeType="tmRoot"/>
+      </p:par>
+    </p:tnLst>
+  </p:timing>
 </p:sld>
 </file>
 
@@ -4911,33 +6225,20 @@
           <a:p>
             <a:r>
               <a:rPr lang="en-US" sz="2400" dirty="0" smtClean="0"/>
-              <a:t>Expert opinion is </a:t>
-            </a:r>
+              <a:t>Expert opinion is would take too long.</a:t>
+            </a:r>
+          </a:p>
+          <a:p>
             <a:r>
               <a:rPr lang="en-US" sz="2400" dirty="0" smtClean="0"/>
-              <a:t>would take too long.</a:t>
-            </a:r>
-            <a:endParaRPr lang="en-US" sz="2400" dirty="0" smtClean="0"/>
-          </a:p>
-          <a:p>
-            <a:r>
-              <a:rPr lang="en-US" sz="2400" dirty="0" smtClean="0"/>
-              <a:t>There way </a:t>
-            </a:r>
-            <a:r>
-              <a:rPr lang="en-US" sz="2400" dirty="0" smtClean="0"/>
-              <a:t>too much data</a:t>
+              <a:t>There way too much data</a:t>
             </a:r>
           </a:p>
           <a:p>
             <a:pPr lvl="1"/>
             <a:r>
               <a:rPr lang="en-US" sz="2000" dirty="0" smtClean="0"/>
-              <a:t>Github has over 9 million </a:t>
-            </a:r>
-            <a:r>
-              <a:rPr lang="en-US" sz="2000" dirty="0" smtClean="0"/>
-              <a:t>users</a:t>
+              <a:t>Github has over 9 million users</a:t>
             </a:r>
             <a:r>
               <a:rPr lang="en-US" sz="2000" dirty="0"/>
@@ -4945,35 +6246,19 @@
             </a:r>
             <a:r>
               <a:rPr lang="en-US" sz="2000" dirty="0" smtClean="0"/>
-              <a:t>and </a:t>
-            </a:r>
-            <a:r>
-              <a:rPr lang="en-US" sz="2000" dirty="0" smtClean="0"/>
-              <a:t>21.1 </a:t>
-            </a:r>
-            <a:r>
-              <a:rPr lang="en-US" sz="2000" dirty="0" smtClean="0"/>
-              <a:t>million repositories.</a:t>
+              <a:t>and 21.1 million repositories.</a:t>
             </a:r>
           </a:p>
           <a:p>
             <a:r>
               <a:rPr lang="en-US" sz="2400" dirty="0" smtClean="0"/>
-              <a:t>Develop efficient </a:t>
-            </a:r>
+              <a:t>Develop efficient code analysis measures</a:t>
+            </a:r>
+          </a:p>
+          <a:p>
             <a:r>
               <a:rPr lang="en-US" sz="2400" dirty="0" smtClean="0"/>
-              <a:t>code analysis measures</a:t>
-            </a:r>
-          </a:p>
-          <a:p>
-            <a:r>
-              <a:rPr lang="en-US" sz="2400" dirty="0" smtClean="0"/>
-              <a:t>Use Machine Learning </a:t>
-            </a:r>
-            <a:r>
-              <a:rPr lang="en-US" sz="2400" dirty="0" smtClean="0"/>
-              <a:t>tools</a:t>
+              <a:t>Use Machine Learning tools</a:t>
             </a:r>
           </a:p>
           <a:p>
@@ -4982,7 +6267,6 @@
               <a:rPr lang="en-US" sz="2000" dirty="0" smtClean="0"/>
               <a:t>Algorithms are too generic, needs optimization</a:t>
             </a:r>
-            <a:endParaRPr lang="en-US" sz="2000" dirty="0" smtClean="0"/>
           </a:p>
           <a:p>
             <a:r>
@@ -5031,6 +6315,13 @@
   <p:transition xmlns:p14="http://schemas.microsoft.com/office/powerpoint/2010/main">
     <p:dissolve/>
   </p:transition>
+  <p:timing>
+    <p:tnLst>
+      <p:par>
+        <p:cTn xmlns:p14="http://schemas.microsoft.com/office/powerpoint/2010/main" id="1" dur="indefinite" restart="never" nodeType="tmRoot"/>
+      </p:par>
+    </p:tnLst>
+  </p:timing>
 </p:sld>
 </file>
 
@@ -5288,13 +6579,6 @@
               </a:rPr>
               <a:t>to defect prediction?</a:t>
             </a:r>
-            <a:endParaRPr lang="en-US" dirty="0">
-              <a:solidFill>
-                <a:schemeClr val="bg2">
-                  <a:lumMod val="75000"/>
-                </a:schemeClr>
-              </a:solidFill>
-            </a:endParaRPr>
           </a:p>
         </p:txBody>
       </p:sp>
@@ -5311,6 +6595,13 @@
   <p:transition xmlns:p14="http://schemas.microsoft.com/office/powerpoint/2010/main">
     <p:dissolve/>
   </p:transition>
+  <p:timing>
+    <p:tnLst>
+      <p:par>
+        <p:cTn xmlns:p14="http://schemas.microsoft.com/office/powerpoint/2010/main" id="1" dur="indefinite" restart="never" nodeType="tmRoot"/>
+      </p:par>
+    </p:tnLst>
+  </p:timing>
 </p:sld>
 </file>
 
@@ -5386,6 +6677,13 @@
   <p:transition xmlns:p14="http://schemas.microsoft.com/office/powerpoint/2010/main">
     <p:dissolve/>
   </p:transition>
+  <p:timing>
+    <p:tnLst>
+      <p:par>
+        <p:cTn xmlns:p14="http://schemas.microsoft.com/office/powerpoint/2010/main" id="1" dur="indefinite" restart="never" nodeType="tmRoot"/>
+      </p:par>
+    </p:tnLst>
+  </p:timing>
 </p:sld>
 </file>
 
@@ -5820,7 +7118,6 @@
               <a:rPr lang="en-US" sz="1050" dirty="0"/>
               <a:t>. 380–391, May 2005.</a:t>
             </a:r>
-            <a:endParaRPr lang="en-US" sz="1050" dirty="0"/>
           </a:p>
         </p:txBody>
       </p:sp>
@@ -5837,6 +7134,13 @@
   <p:transition xmlns:p14="http://schemas.microsoft.com/office/powerpoint/2010/main">
     <p:dissolve/>
   </p:transition>
+  <p:timing>
+    <p:tnLst>
+      <p:par>
+        <p:cTn xmlns:p14="http://schemas.microsoft.com/office/powerpoint/2010/main" id="1" dur="indefinite" restart="never" nodeType="tmRoot"/>
+      </p:par>
+    </p:tnLst>
+  </p:timing>
 </p:sld>
 </file>
 
@@ -5870,10 +7174,15 @@
         <p:spPr/>
         <p:txBody>
           <a:bodyPr>
-            <a:normAutofit fontScale="85000" lnSpcReduction="20000"/>
+            <a:normAutofit fontScale="70000" lnSpcReduction="20000"/>
           </a:bodyPr>
           <a:lstStyle/>
           <a:p>
+            <a:pPr>
+              <a:lnSpc>
+                <a:spcPct val="120000"/>
+              </a:lnSpc>
+            </a:pPr>
             <a:r>
               <a:rPr lang="en-US" dirty="0" err="1" smtClean="0"/>
               <a:t>Lessmann</a:t>
@@ -5892,6 +7201,11 @@
             </a:r>
           </a:p>
           <a:p>
+            <a:pPr>
+              <a:lnSpc>
+                <a:spcPct val="120000"/>
+              </a:lnSpc>
+            </a:pPr>
             <a:r>
               <a:rPr lang="en-US" dirty="0" smtClean="0"/>
               <a:t>They found Random Forest to be the </a:t>
@@ -5911,6 +7225,11 @@
             <a:endParaRPr lang="en-US" dirty="0" smtClean="0"/>
           </a:p>
           <a:p>
+            <a:pPr>
+              <a:lnSpc>
+                <a:spcPct val="120000"/>
+              </a:lnSpc>
+            </a:pPr>
             <a:r>
               <a:rPr lang="en-US" dirty="0" smtClean="0"/>
               <a:t>That</a:t>
@@ -5925,33 +7244,66 @@
             </a:r>
           </a:p>
           <a:p>
-            <a:pPr lvl="1"/>
+            <a:pPr lvl="1">
+              <a:lnSpc>
+                <a:spcPct val="120000"/>
+              </a:lnSpc>
+            </a:pPr>
             <a:r>
               <a:rPr lang="en-US" dirty="0" smtClean="0"/>
               <a:t>They’re both tree based learners</a:t>
             </a:r>
           </a:p>
           <a:p>
-            <a:pPr lvl="1"/>
+            <a:pPr lvl="1">
+              <a:lnSpc>
+                <a:spcPct val="120000"/>
+              </a:lnSpc>
+            </a:pPr>
             <a:r>
               <a:rPr lang="en-US" dirty="0" smtClean="0"/>
               <a:t>One is deterministic, other is random</a:t>
             </a:r>
           </a:p>
           <a:p>
-            <a:pPr lvl="1"/>
-            <a:r>
-              <a:rPr lang="en-US" dirty="0" smtClean="0"/>
-              <a:t>But they can’t be on opposite ends of spectrum</a:t>
-            </a:r>
-          </a:p>
-          <a:p>
+            <a:pPr lvl="1">
+              <a:lnSpc>
+                <a:spcPct val="120000"/>
+              </a:lnSpc>
+            </a:pPr>
+            <a:r>
+              <a:rPr lang="en-US" dirty="0" smtClean="0"/>
+              <a:t>But they surely can’t be on opposite ends of spectrum. Can they?</a:t>
+            </a:r>
+          </a:p>
+          <a:p>
+            <a:pPr>
+              <a:lnSpc>
+                <a:spcPct val="120000"/>
+              </a:lnSpc>
+            </a:pPr>
             <a:r>
               <a:rPr lang="en-US" dirty="0" smtClean="0"/>
               <a:t>It’s probably the data</a:t>
             </a:r>
           </a:p>
           <a:p>
+            <a:pPr lvl="1">
+              <a:lnSpc>
+                <a:spcPct val="120000"/>
+              </a:lnSpc>
+            </a:pPr>
+            <a:r>
+              <a:rPr lang="en-US" dirty="0" smtClean="0"/>
+              <a:t>It’s always the data</a:t>
+            </a:r>
+          </a:p>
+          <a:p>
+            <a:pPr>
+              <a:lnSpc>
+                <a:spcPct val="120000"/>
+              </a:lnSpc>
+            </a:pPr>
             <a:r>
               <a:rPr lang="en-US" dirty="0" smtClean="0"/>
               <a:t>Maybe the predictors need to be calibrated</a:t>
@@ -6288,6 +7640,13 @@
   <p:transition xmlns:p14="http://schemas.microsoft.com/office/powerpoint/2010/main">
     <p:dissolve/>
   </p:transition>
+  <p:timing>
+    <p:tnLst>
+      <p:par>
+        <p:cTn xmlns:p14="http://schemas.microsoft.com/office/powerpoint/2010/main" id="1" dur="indefinite" restart="never" nodeType="tmRoot"/>
+      </p:par>
+    </p:tnLst>
+  </p:timing>
 </p:sld>
 </file>
 

--- a/Report/FinalPresentation.pptx
+++ b/Report/FinalPresentation.pptx
@@ -26,6 +26,9 @@
     <p:sldId id="275" r:id="rId20"/>
     <p:sldId id="276" r:id="rId21"/>
     <p:sldId id="274" r:id="rId22"/>
+    <p:sldId id="277" r:id="rId23"/>
+    <p:sldId id="278" r:id="rId24"/>
+    <p:sldId id="279" r:id="rId25"/>
   </p:sldIdLst>
   <p:sldSz cx="9144000" cy="6858000" type="screen4x3"/>
   <p:notesSz cx="6858000" cy="9144000"/>
@@ -5613,7 +5616,11 @@
           <a:bodyPr/>
           <a:lstStyle/>
           <a:p>
-            <a:endParaRPr lang="en-US"/>
+            <a:r>
+              <a:rPr lang="en-US" dirty="0" smtClean="0"/>
+              <a:t>Defect Dataset</a:t>
+            </a:r>
+            <a:endParaRPr lang="en-US" dirty="0"/>
           </a:p>
         </p:txBody>
       </p:sp>
@@ -5629,10 +5636,168 @@
         </p:nvSpPr>
         <p:spPr/>
         <p:txBody>
-          <a:bodyPr/>
+          <a:bodyPr>
+            <a:normAutofit fontScale="62500" lnSpcReduction="20000"/>
+          </a:bodyPr>
           <a:lstStyle/>
           <a:p>
-            <a:endParaRPr lang="en-US"/>
+            <a:r>
+              <a:rPr lang="en-US" dirty="0" smtClean="0"/>
+              <a:t>RQ1:</a:t>
+            </a:r>
+            <a:r>
+              <a:rPr lang="en-US" dirty="0">
+                <a:solidFill>
+                  <a:srgbClr val="606060"/>
+                </a:solidFill>
+              </a:rPr>
+              <a:t>Can techniques such as SMOTE be used to preprocess data to improve prediction accuracy</a:t>
+            </a:r>
+            <a:r>
+              <a:rPr lang="en-US" dirty="0" smtClean="0">
+                <a:solidFill>
+                  <a:srgbClr val="606060"/>
+                </a:solidFill>
+              </a:rPr>
+              <a:t>?</a:t>
+            </a:r>
+            <a:endParaRPr lang="en-US" dirty="0">
+              <a:solidFill>
+                <a:srgbClr val="606060"/>
+              </a:solidFill>
+            </a:endParaRPr>
+          </a:p>
+          <a:p>
+            <a:pPr lvl="1"/>
+            <a:r>
+              <a:rPr lang="en-US" dirty="0" smtClean="0"/>
+              <a:t>RF was better than CART in 6 out of the 8 datasets.</a:t>
+            </a:r>
+          </a:p>
+          <a:p>
+            <a:pPr lvl="1"/>
+            <a:r>
+              <a:rPr lang="en-US" dirty="0" smtClean="0"/>
+              <a:t>SMOTE helped improve the performance in 4 out of those 6 datasets.</a:t>
+            </a:r>
+          </a:p>
+          <a:p>
+            <a:pPr>
+              <a:lnSpc>
+                <a:spcPct val="130000"/>
+              </a:lnSpc>
+            </a:pPr>
+            <a:r>
+              <a:rPr lang="en-US" b="1" dirty="0"/>
+              <a:t>RQ2: </a:t>
+            </a:r>
+            <a:r>
+              <a:rPr lang="en-US" dirty="0">
+                <a:solidFill>
+                  <a:srgbClr val="606060"/>
+                </a:solidFill>
+              </a:rPr>
+              <a:t>Does Tuning a data miner improve it’s prediction accuracy</a:t>
+            </a:r>
+            <a:r>
+              <a:rPr lang="en-US" dirty="0" smtClean="0">
+                <a:solidFill>
+                  <a:srgbClr val="606060"/>
+                </a:solidFill>
+              </a:rPr>
+              <a:t>?</a:t>
+            </a:r>
+            <a:endParaRPr lang="en-US" dirty="0">
+              <a:solidFill>
+                <a:srgbClr val="606060"/>
+              </a:solidFill>
+            </a:endParaRPr>
+          </a:p>
+          <a:p>
+            <a:pPr lvl="1"/>
+            <a:r>
+              <a:rPr lang="en-US" dirty="0"/>
+              <a:t>Not always, just tuning didn’t </a:t>
+            </a:r>
+            <a:r>
+              <a:rPr lang="en-US" dirty="0" smtClean="0"/>
+              <a:t>help</a:t>
+            </a:r>
+          </a:p>
+          <a:p>
+            <a:pPr>
+              <a:lnSpc>
+                <a:spcPct val="130000"/>
+              </a:lnSpc>
+            </a:pPr>
+            <a:r>
+              <a:rPr lang="en-US" b="1" dirty="0"/>
+              <a:t>RQ3: </a:t>
+            </a:r>
+            <a:r>
+              <a:rPr lang="en-US" dirty="0">
+                <a:solidFill>
+                  <a:srgbClr val="606060"/>
+                </a:solidFill>
+              </a:rPr>
+              <a:t>Can tuning be performed in conjunction with SMOTE to further improve the prediction accuracy</a:t>
+            </a:r>
+            <a:r>
+              <a:rPr lang="en-US" dirty="0" smtClean="0">
+                <a:solidFill>
+                  <a:srgbClr val="606060"/>
+                </a:solidFill>
+              </a:rPr>
+              <a:t>?</a:t>
+            </a:r>
+          </a:p>
+          <a:p>
+            <a:pPr lvl="1">
+              <a:lnSpc>
+                <a:spcPct val="130000"/>
+              </a:lnSpc>
+            </a:pPr>
+            <a:r>
+              <a:rPr lang="en-US" dirty="0" smtClean="0"/>
+              <a:t>Yes. In 6 out the 8 datasets, </a:t>
+            </a:r>
+            <a:r>
+              <a:rPr lang="en-US" dirty="0" err="1" smtClean="0"/>
+              <a:t>SMOTE+Tuning</a:t>
+            </a:r>
+            <a:r>
+              <a:rPr lang="en-US" dirty="0" smtClean="0"/>
+              <a:t> surely helps</a:t>
+            </a:r>
+            <a:endParaRPr lang="en-US" dirty="0"/>
+          </a:p>
+          <a:p>
+            <a:pPr marL="0" indent="0">
+              <a:buNone/>
+            </a:pPr>
+            <a:endParaRPr lang="en-US" dirty="0"/>
+          </a:p>
+          <a:p>
+            <a:pPr lvl="1"/>
+            <a:endParaRPr lang="en-US" dirty="0" smtClean="0"/>
+          </a:p>
+          <a:p>
+            <a:pPr marL="457200" lvl="1" indent="0">
+              <a:buNone/>
+            </a:pPr>
+            <a:r>
+              <a:rPr lang="en-US" dirty="0" smtClean="0"/>
+              <a:t> </a:t>
+            </a:r>
+          </a:p>
+          <a:p>
+            <a:pPr marL="457200" lvl="1" indent="0">
+              <a:buNone/>
+            </a:pPr>
+            <a:r>
+              <a:rPr lang="en-US" dirty="0"/>
+              <a:t> </a:t>
+            </a:r>
           </a:p>
         </p:txBody>
       </p:sp>
@@ -5697,6 +5862,347 @@
     <p:extLst>
       <p:ext uri="{BB962C8B-B14F-4D97-AF65-F5344CB8AC3E}">
         <p14:creationId xmlns:p14="http://schemas.microsoft.com/office/powerpoint/2010/main" val="1814928952"/>
+      </p:ext>
+    </p:extLst>
+  </p:cSld>
+  <p:clrMapOvr>
+    <a:masterClrMapping/>
+  </p:clrMapOvr>
+  <p:transition xmlns:p14="http://schemas.microsoft.com/office/powerpoint/2010/main">
+    <p:dissolve/>
+  </p:transition>
+</p:sld>
+</file>
+
+<file path=ppt/slides/slide22.xml><?xml version="1.0" encoding="utf-8"?>
+<p:sld xmlns:a="http://schemas.openxmlformats.org/drawingml/2006/main" xmlns:r="http://schemas.openxmlformats.org/officeDocument/2006/relationships" xmlns:p="http://schemas.openxmlformats.org/presentationml/2006/main">
+  <p:cSld>
+    <p:spTree>
+      <p:nvGrpSpPr>
+        <p:cNvPr id="1" name=""/>
+        <p:cNvGrpSpPr/>
+        <p:nvPr/>
+      </p:nvGrpSpPr>
+      <p:grpSpPr>
+        <a:xfrm>
+          <a:off x="0" y="0"/>
+          <a:ext cx="0" cy="0"/>
+          <a:chOff x="0" y="0"/>
+          <a:chExt cx="0" cy="0"/>
+        </a:xfrm>
+      </p:grpSpPr>
+      <p:pic>
+        <p:nvPicPr>
+          <p:cNvPr id="4" name="Picture 3"/>
+          <p:cNvPicPr>
+            <a:picLocks noChangeAspect="1"/>
+          </p:cNvPicPr>
+          <p:nvPr/>
+        </p:nvPicPr>
+        <p:blipFill>
+          <a:blip r:embed="rId2"/>
+          <a:stretch>
+            <a:fillRect/>
+          </a:stretch>
+        </p:blipFill>
+        <p:spPr>
+          <a:xfrm>
+            <a:off x="332833" y="1412217"/>
+            <a:ext cx="8723586" cy="4920570"/>
+          </a:xfrm>
+          <a:prstGeom prst="rect">
+            <a:avLst/>
+          </a:prstGeom>
+        </p:spPr>
+      </p:pic>
+      <p:pic>
+        <p:nvPicPr>
+          <p:cNvPr id="2" name="Picture 1"/>
+          <p:cNvPicPr>
+            <a:picLocks noChangeAspect="1"/>
+          </p:cNvPicPr>
+          <p:nvPr/>
+        </p:nvPicPr>
+        <p:blipFill>
+          <a:blip r:embed="rId3"/>
+          <a:stretch>
+            <a:fillRect/>
+          </a:stretch>
+        </p:blipFill>
+        <p:spPr>
+          <a:xfrm>
+            <a:off x="240261" y="1412216"/>
+            <a:ext cx="8912497" cy="5053655"/>
+          </a:xfrm>
+          <a:prstGeom prst="rect">
+            <a:avLst/>
+          </a:prstGeom>
+        </p:spPr>
+      </p:pic>
+    </p:spTree>
+    <p:extLst>
+      <p:ext uri="{BB962C8B-B14F-4D97-AF65-F5344CB8AC3E}">
+        <p14:creationId xmlns:p14="http://schemas.microsoft.com/office/powerpoint/2010/main" val="2941701807"/>
+      </p:ext>
+    </p:extLst>
+  </p:cSld>
+  <p:clrMapOvr>
+    <a:masterClrMapping/>
+  </p:clrMapOvr>
+  <p:transition xmlns:p14="http://schemas.microsoft.com/office/powerpoint/2010/main">
+    <p:dissolve/>
+  </p:transition>
+  <p:timing>
+    <p:tnLst>
+      <p:par>
+        <p:cTn xmlns:p14="http://schemas.microsoft.com/office/powerpoint/2010/main" id="1" dur="indefinite" restart="never" nodeType="tmRoot"/>
+      </p:par>
+    </p:tnLst>
+  </p:timing>
+</p:sld>
+</file>
+
+<file path=ppt/slides/slide23.xml><?xml version="1.0" encoding="utf-8"?>
+<p:sld xmlns:a="http://schemas.openxmlformats.org/drawingml/2006/main" xmlns:r="http://schemas.openxmlformats.org/officeDocument/2006/relationships" xmlns:p="http://schemas.openxmlformats.org/presentationml/2006/main">
+  <p:cSld>
+    <p:spTree>
+      <p:nvGrpSpPr>
+        <p:cNvPr id="1" name=""/>
+        <p:cNvGrpSpPr/>
+        <p:nvPr/>
+      </p:nvGrpSpPr>
+      <p:grpSpPr>
+        <a:xfrm>
+          <a:off x="0" y="0"/>
+          <a:ext cx="0" cy="0"/>
+          <a:chOff x="0" y="0"/>
+          <a:chExt cx="0" cy="0"/>
+        </a:xfrm>
+      </p:grpSpPr>
+      <p:sp>
+        <p:nvSpPr>
+          <p:cNvPr id="4" name="Title 3"/>
+          <p:cNvSpPr>
+            <a:spLocks noGrp="1"/>
+          </p:cNvSpPr>
+          <p:nvPr>
+            <p:ph type="title"/>
+          </p:nvPr>
+        </p:nvSpPr>
+        <p:spPr/>
+        <p:txBody>
+          <a:bodyPr/>
+          <a:lstStyle/>
+          <a:p>
+            <a:r>
+              <a:rPr lang="en-US" dirty="0" smtClean="0"/>
+              <a:t>Security Flaws Dataset</a:t>
+            </a:r>
+            <a:endParaRPr lang="en-US" dirty="0"/>
+          </a:p>
+        </p:txBody>
+      </p:sp>
+      <p:pic>
+        <p:nvPicPr>
+          <p:cNvPr id="8" name="Picture 7"/>
+          <p:cNvPicPr>
+            <a:picLocks noChangeAspect="1"/>
+          </p:cNvPicPr>
+          <p:nvPr/>
+        </p:nvPicPr>
+        <p:blipFill>
+          <a:blip r:embed="rId2"/>
+          <a:stretch>
+            <a:fillRect/>
+          </a:stretch>
+        </p:blipFill>
+        <p:spPr>
+          <a:xfrm>
+            <a:off x="376492" y="2578186"/>
+            <a:ext cx="4291728" cy="2345022"/>
+          </a:xfrm>
+          <a:prstGeom prst="rect">
+            <a:avLst/>
+          </a:prstGeom>
+        </p:spPr>
+      </p:pic>
+      <p:pic>
+        <p:nvPicPr>
+          <p:cNvPr id="9" name="Picture 8"/>
+          <p:cNvPicPr>
+            <a:picLocks noChangeAspect="1"/>
+          </p:cNvPicPr>
+          <p:nvPr/>
+        </p:nvPicPr>
+        <p:blipFill>
+          <a:blip r:embed="rId3"/>
+          <a:stretch>
+            <a:fillRect/>
+          </a:stretch>
+        </p:blipFill>
+        <p:spPr>
+          <a:xfrm>
+            <a:off x="4646146" y="2578185"/>
+            <a:ext cx="4413166" cy="2345024"/>
+          </a:xfrm>
+          <a:prstGeom prst="rect">
+            <a:avLst/>
+          </a:prstGeom>
+        </p:spPr>
+      </p:pic>
+    </p:spTree>
+    <p:extLst>
+      <p:ext uri="{BB962C8B-B14F-4D97-AF65-F5344CB8AC3E}">
+        <p14:creationId xmlns:p14="http://schemas.microsoft.com/office/powerpoint/2010/main" val="1012597281"/>
+      </p:ext>
+    </p:extLst>
+  </p:cSld>
+  <p:clrMapOvr>
+    <a:masterClrMapping/>
+  </p:clrMapOvr>
+  <p:transition xmlns:p14="http://schemas.microsoft.com/office/powerpoint/2010/main">
+    <p:dissolve/>
+  </p:transition>
+  <p:timing>
+    <p:tnLst>
+      <p:par>
+        <p:cTn xmlns:p14="http://schemas.microsoft.com/office/powerpoint/2010/main" id="1" dur="indefinite" restart="never" nodeType="tmRoot"/>
+      </p:par>
+    </p:tnLst>
+  </p:timing>
+</p:sld>
+</file>
+
+<file path=ppt/slides/slide24.xml><?xml version="1.0" encoding="utf-8"?>
+<p:sld xmlns:a="http://schemas.openxmlformats.org/drawingml/2006/main" xmlns:r="http://schemas.openxmlformats.org/officeDocument/2006/relationships" xmlns:p="http://schemas.openxmlformats.org/presentationml/2006/main">
+  <p:cSld>
+    <p:spTree>
+      <p:nvGrpSpPr>
+        <p:cNvPr id="1" name=""/>
+        <p:cNvGrpSpPr/>
+        <p:nvPr/>
+      </p:nvGrpSpPr>
+      <p:grpSpPr>
+        <a:xfrm>
+          <a:off x="0" y="0"/>
+          <a:ext cx="0" cy="0"/>
+          <a:chOff x="0" y="0"/>
+          <a:chExt cx="0" cy="0"/>
+        </a:xfrm>
+      </p:grpSpPr>
+      <p:sp>
+        <p:nvSpPr>
+          <p:cNvPr id="2" name="Title 1"/>
+          <p:cNvSpPr>
+            <a:spLocks noGrp="1"/>
+          </p:cNvSpPr>
+          <p:nvPr>
+            <p:ph type="title"/>
+          </p:nvPr>
+        </p:nvSpPr>
+        <p:spPr/>
+        <p:txBody>
+          <a:bodyPr/>
+          <a:lstStyle/>
+          <a:p>
+            <a:r>
+              <a:rPr lang="en-US" dirty="0" smtClean="0"/>
+              <a:t>Conclusion</a:t>
+            </a:r>
+            <a:endParaRPr lang="en-US" dirty="0"/>
+          </a:p>
+        </p:txBody>
+      </p:sp>
+      <p:sp>
+        <p:nvSpPr>
+          <p:cNvPr id="3" name="Content Placeholder 2"/>
+          <p:cNvSpPr>
+            <a:spLocks noGrp="1"/>
+          </p:cNvSpPr>
+          <p:nvPr>
+            <p:ph idx="1"/>
+          </p:nvPr>
+        </p:nvSpPr>
+        <p:spPr/>
+        <p:txBody>
+          <a:bodyPr>
+            <a:normAutofit fontScale="92500" lnSpcReduction="20000"/>
+          </a:bodyPr>
+          <a:lstStyle/>
+          <a:p>
+            <a:r>
+              <a:rPr lang="en-US" dirty="0" smtClean="0"/>
+              <a:t>Defect Data Set</a:t>
+            </a:r>
+          </a:p>
+          <a:p>
+            <a:pPr lvl="1"/>
+            <a:r>
+              <a:rPr lang="en-US" dirty="0" smtClean="0"/>
+              <a:t>SMOTE</a:t>
+            </a:r>
+            <a:r>
+              <a:rPr lang="en-US" i="1" dirty="0" smtClean="0"/>
+              <a:t>ing </a:t>
+            </a:r>
+            <a:r>
+              <a:rPr lang="en-US" dirty="0" smtClean="0"/>
+              <a:t>is beneficial</a:t>
+            </a:r>
+          </a:p>
+          <a:p>
+            <a:pPr lvl="1"/>
+            <a:r>
+              <a:rPr lang="en-US" dirty="0" smtClean="0"/>
+              <a:t>Tuning alone is not too useful</a:t>
+            </a:r>
+          </a:p>
+          <a:p>
+            <a:pPr lvl="1"/>
+            <a:r>
+              <a:rPr lang="en-US" dirty="0" smtClean="0"/>
+              <a:t>The combination of both works even better.</a:t>
+            </a:r>
+          </a:p>
+          <a:p>
+            <a:r>
+              <a:rPr lang="en-US" dirty="0" smtClean="0"/>
+              <a:t>Security Flaw Dataset</a:t>
+            </a:r>
+          </a:p>
+          <a:p>
+            <a:pPr lvl="1"/>
+            <a:r>
+              <a:rPr lang="en-US" dirty="0" smtClean="0"/>
+              <a:t>Improves sensitivity by 10 times</a:t>
+            </a:r>
+          </a:p>
+          <a:p>
+            <a:r>
+              <a:rPr lang="en-US" dirty="0" smtClean="0"/>
+              <a:t>In summary:</a:t>
+            </a:r>
+          </a:p>
+          <a:p>
+            <a:pPr lvl="1"/>
+            <a:r>
+              <a:rPr lang="en-US" dirty="0" smtClean="0"/>
+              <a:t>Always reflect over the data</a:t>
+            </a:r>
+          </a:p>
+          <a:p>
+            <a:pPr lvl="1"/>
+            <a:r>
+              <a:rPr lang="en-US" dirty="0" smtClean="0"/>
+              <a:t>Calibrate your predictor before use</a:t>
+            </a:r>
+          </a:p>
+        </p:txBody>
+      </p:sp>
+    </p:spTree>
+    <p:extLst>
+      <p:ext uri="{BB962C8B-B14F-4D97-AF65-F5344CB8AC3E}">
+        <p14:creationId xmlns:p14="http://schemas.microsoft.com/office/powerpoint/2010/main" val="2779213342"/>
       </p:ext>
     </p:extLst>
   </p:cSld>
